--- a/plots/manual figure join.pptx
+++ b/plots/manual figure join.pptx
@@ -243,7 +243,7 @@
           <a:p>
             <a:fld id="{50ACBD6A-A074-495B-B6EA-70FE12DA040A}" type="datetimeFigureOut">
               <a:rPr lang="en-US" smtClean="0"/>
-              <a:t>10/10/2022</a:t>
+              <a:t>1/10/2023</a:t>
             </a:fld>
             <a:endParaRPr lang="en-US"/>
           </a:p>
@@ -413,7 +413,7 @@
           <a:p>
             <a:fld id="{50ACBD6A-A074-495B-B6EA-70FE12DA040A}" type="datetimeFigureOut">
               <a:rPr lang="en-US" smtClean="0"/>
-              <a:t>10/10/2022</a:t>
+              <a:t>1/10/2023</a:t>
             </a:fld>
             <a:endParaRPr lang="en-US"/>
           </a:p>
@@ -593,7 +593,7 @@
           <a:p>
             <a:fld id="{50ACBD6A-A074-495B-B6EA-70FE12DA040A}" type="datetimeFigureOut">
               <a:rPr lang="en-US" smtClean="0"/>
-              <a:t>10/10/2022</a:t>
+              <a:t>1/10/2023</a:t>
             </a:fld>
             <a:endParaRPr lang="en-US"/>
           </a:p>
@@ -763,7 +763,7 @@
           <a:p>
             <a:fld id="{50ACBD6A-A074-495B-B6EA-70FE12DA040A}" type="datetimeFigureOut">
               <a:rPr lang="en-US" smtClean="0"/>
-              <a:t>10/10/2022</a:t>
+              <a:t>1/10/2023</a:t>
             </a:fld>
             <a:endParaRPr lang="en-US"/>
           </a:p>
@@ -1007,7 +1007,7 @@
           <a:p>
             <a:fld id="{50ACBD6A-A074-495B-B6EA-70FE12DA040A}" type="datetimeFigureOut">
               <a:rPr lang="en-US" smtClean="0"/>
-              <a:t>10/10/2022</a:t>
+              <a:t>1/10/2023</a:t>
             </a:fld>
             <a:endParaRPr lang="en-US"/>
           </a:p>
@@ -1239,7 +1239,7 @@
           <a:p>
             <a:fld id="{50ACBD6A-A074-495B-B6EA-70FE12DA040A}" type="datetimeFigureOut">
               <a:rPr lang="en-US" smtClean="0"/>
-              <a:t>10/10/2022</a:t>
+              <a:t>1/10/2023</a:t>
             </a:fld>
             <a:endParaRPr lang="en-US"/>
           </a:p>
@@ -1606,7 +1606,7 @@
           <a:p>
             <a:fld id="{50ACBD6A-A074-495B-B6EA-70FE12DA040A}" type="datetimeFigureOut">
               <a:rPr lang="en-US" smtClean="0"/>
-              <a:t>10/10/2022</a:t>
+              <a:t>1/10/2023</a:t>
             </a:fld>
             <a:endParaRPr lang="en-US"/>
           </a:p>
@@ -1724,7 +1724,7 @@
           <a:p>
             <a:fld id="{50ACBD6A-A074-495B-B6EA-70FE12DA040A}" type="datetimeFigureOut">
               <a:rPr lang="en-US" smtClean="0"/>
-              <a:t>10/10/2022</a:t>
+              <a:t>1/10/2023</a:t>
             </a:fld>
             <a:endParaRPr lang="en-US"/>
           </a:p>
@@ -1819,7 +1819,7 @@
           <a:p>
             <a:fld id="{50ACBD6A-A074-495B-B6EA-70FE12DA040A}" type="datetimeFigureOut">
               <a:rPr lang="en-US" smtClean="0"/>
-              <a:t>10/10/2022</a:t>
+              <a:t>1/10/2023</a:t>
             </a:fld>
             <a:endParaRPr lang="en-US"/>
           </a:p>
@@ -2096,7 +2096,7 @@
           <a:p>
             <a:fld id="{50ACBD6A-A074-495B-B6EA-70FE12DA040A}" type="datetimeFigureOut">
               <a:rPr lang="en-US" smtClean="0"/>
-              <a:t>10/10/2022</a:t>
+              <a:t>1/10/2023</a:t>
             </a:fld>
             <a:endParaRPr lang="en-US"/>
           </a:p>
@@ -2353,7 +2353,7 @@
           <a:p>
             <a:fld id="{50ACBD6A-A074-495B-B6EA-70FE12DA040A}" type="datetimeFigureOut">
               <a:rPr lang="en-US" smtClean="0"/>
-              <a:t>10/10/2022</a:t>
+              <a:t>1/10/2023</a:t>
             </a:fld>
             <a:endParaRPr lang="en-US"/>
           </a:p>
@@ -2566,7 +2566,7 @@
           <a:p>
             <a:fld id="{50ACBD6A-A074-495B-B6EA-70FE12DA040A}" type="datetimeFigureOut">
               <a:rPr lang="en-US" smtClean="0"/>
-              <a:t>10/10/2022</a:t>
+              <a:t>1/10/2023</a:t>
             </a:fld>
             <a:endParaRPr lang="en-US"/>
           </a:p>
@@ -2973,10 +2973,10 @@
       </p:grpSpPr>
       <p:grpSp>
         <p:nvGrpSpPr>
-          <p:cNvPr id="23" name="Group 22">
+          <p:cNvPr id="5" name="Group 4">
             <a:extLst>
               <a:ext uri="{FF2B5EF4-FFF2-40B4-BE49-F238E27FC236}">
-                <a16:creationId xmlns:a16="http://schemas.microsoft.com/office/drawing/2014/main" id="{D4655A57-E0E0-E6F9-4D7C-52978B9FF197}"/>
+                <a16:creationId xmlns:a16="http://schemas.microsoft.com/office/drawing/2014/main" id="{C31739FC-B5C3-6606-BAEC-98E5310055EF}"/>
               </a:ext>
             </a:extLst>
           </p:cNvPr>
@@ -2986,17 +2986,17 @@
         <p:grpSpPr>
           <a:xfrm>
             <a:off x="228590" y="156939"/>
-            <a:ext cx="7315215" cy="9744522"/>
+            <a:ext cx="7315215" cy="9758122"/>
             <a:chOff x="228590" y="156939"/>
-            <a:chExt cx="7315215" cy="9744522"/>
+            <a:chExt cx="7315215" cy="9758122"/>
           </a:xfrm>
         </p:grpSpPr>
         <p:grpSp>
           <p:nvGrpSpPr>
-            <p:cNvPr id="9" name="Group 8">
+            <p:cNvPr id="23" name="Group 22">
               <a:extLst>
                 <a:ext uri="{FF2B5EF4-FFF2-40B4-BE49-F238E27FC236}">
-                  <a16:creationId xmlns:a16="http://schemas.microsoft.com/office/drawing/2014/main" id="{F193727C-DB73-FF9C-2637-46A29CA688CD}"/>
+                  <a16:creationId xmlns:a16="http://schemas.microsoft.com/office/drawing/2014/main" id="{D4655A57-E0E0-E6F9-4D7C-52978B9FF197}"/>
                 </a:ext>
               </a:extLst>
             </p:cNvPr>
@@ -3006,213 +3006,17 @@
           <p:grpSpPr>
             <a:xfrm>
               <a:off x="228590" y="156939"/>
-              <a:ext cx="7315215" cy="9744522"/>
+              <a:ext cx="7315215" cy="9758122"/>
               <a:chOff x="228590" y="156939"/>
-              <a:chExt cx="7315215" cy="9744522"/>
+              <a:chExt cx="7315215" cy="9758122"/>
             </a:xfrm>
           </p:grpSpPr>
-          <p:pic>
-            <p:nvPicPr>
-              <p:cNvPr id="4" name="Picture 3">
+          <p:grpSp>
+            <p:nvGrpSpPr>
+              <p:cNvPr id="9" name="Group 8">
                 <a:extLst>
                   <a:ext uri="{FF2B5EF4-FFF2-40B4-BE49-F238E27FC236}">
-                    <a16:creationId xmlns:a16="http://schemas.microsoft.com/office/drawing/2014/main" id="{198B65F4-FBF1-2FDC-0252-B5DFBF237235}"/>
-                  </a:ext>
-                </a:extLst>
-              </p:cNvPr>
-              <p:cNvPicPr>
-                <a:picLocks noChangeAspect="1"/>
-              </p:cNvPicPr>
-              <p:nvPr/>
-            </p:nvPicPr>
-            <p:blipFill>
-              <a:blip r:embed="rId2">
-                <a:extLst>
-                  <a:ext uri="{28A0092B-C50C-407E-A947-70E740481C1C}">
-                    <a14:useLocalDpi xmlns:a14="http://schemas.microsoft.com/office/drawing/2010/main" val="0"/>
-                  </a:ext>
-                </a:extLst>
-              </a:blip>
-              <a:srcRect/>
-              <a:stretch/>
-            </p:blipFill>
-            <p:spPr>
-              <a:xfrm>
-                <a:off x="228590" y="156939"/>
-                <a:ext cx="7315215" cy="9144019"/>
-              </a:xfrm>
-              <a:prstGeom prst="rect">
-                <a:avLst/>
-              </a:prstGeom>
-            </p:spPr>
-          </p:pic>
-          <p:pic>
-            <p:nvPicPr>
-              <p:cNvPr id="8" name="Picture 7">
-                <a:extLst>
-                  <a:ext uri="{FF2B5EF4-FFF2-40B4-BE49-F238E27FC236}">
-                    <a16:creationId xmlns:a16="http://schemas.microsoft.com/office/drawing/2014/main" id="{FCEC59F1-49DF-38F7-E0F7-904E02203C6F}"/>
-                  </a:ext>
-                </a:extLst>
-              </p:cNvPr>
-              <p:cNvPicPr>
-                <a:picLocks noChangeAspect="1"/>
-              </p:cNvPicPr>
-              <p:nvPr/>
-            </p:nvPicPr>
-            <p:blipFill rotWithShape="1">
-              <a:blip r:embed="rId3">
-                <a:extLst>
-                  <a:ext uri="{28A0092B-C50C-407E-A947-70E740481C1C}">
-                    <a14:useLocalDpi xmlns:a14="http://schemas.microsoft.com/office/drawing/2010/main" val="0"/>
-                  </a:ext>
-                </a:extLst>
-              </a:blip>
-              <a:srcRect l="4493" t="71841"/>
-              <a:stretch/>
-            </p:blipFill>
-            <p:spPr>
-              <a:xfrm>
-                <a:off x="228590" y="6243859"/>
-                <a:ext cx="7315215" cy="3657601"/>
-              </a:xfrm>
-              <a:prstGeom prst="rect">
-                <a:avLst/>
-              </a:prstGeom>
-            </p:spPr>
-          </p:pic>
-          <p:pic>
-            <p:nvPicPr>
-              <p:cNvPr id="6" name="Picture 5">
-                <a:extLst>
-                  <a:ext uri="{FF2B5EF4-FFF2-40B4-BE49-F238E27FC236}">
-                    <a16:creationId xmlns:a16="http://schemas.microsoft.com/office/drawing/2014/main" id="{E49DFADC-943B-E6D5-5431-E451DB869A67}"/>
-                  </a:ext>
-                </a:extLst>
-              </p:cNvPr>
-              <p:cNvPicPr>
-                <a:picLocks noChangeAspect="1"/>
-              </p:cNvPicPr>
-              <p:nvPr/>
-            </p:nvPicPr>
-            <p:blipFill rotWithShape="1">
-              <a:blip r:embed="rId4">
-                <a:extLst>
-                  <a:ext uri="{28A0092B-C50C-407E-A947-70E740481C1C}">
-                    <a14:useLocalDpi xmlns:a14="http://schemas.microsoft.com/office/drawing/2010/main" val="0"/>
-                  </a:ext>
-                </a:extLst>
-              </a:blip>
-              <a:srcRect l="3806" t="11642" r="3658" b="8358"/>
-              <a:stretch/>
-            </p:blipFill>
-            <p:spPr>
-              <a:xfrm>
-                <a:off x="1770793" y="6243860"/>
-                <a:ext cx="4230807" cy="3657601"/>
-              </a:xfrm>
-              <a:prstGeom prst="rect">
-                <a:avLst/>
-              </a:prstGeom>
-            </p:spPr>
-          </p:pic>
-          <p:pic>
-            <p:nvPicPr>
-              <p:cNvPr id="7" name="Picture 6">
-                <a:extLst>
-                  <a:ext uri="{FF2B5EF4-FFF2-40B4-BE49-F238E27FC236}">
-                    <a16:creationId xmlns:a16="http://schemas.microsoft.com/office/drawing/2014/main" id="{BB7F229E-BEA3-4B11-9C6E-C6953DA65B3B}"/>
-                  </a:ext>
-                </a:extLst>
-              </p:cNvPr>
-              <p:cNvPicPr>
-                <a:picLocks noChangeAspect="1"/>
-              </p:cNvPicPr>
-              <p:nvPr/>
-            </p:nvPicPr>
-            <p:blipFill rotWithShape="1">
-              <a:blip r:embed="rId3">
-                <a:extLst>
-                  <a:ext uri="{28A0092B-C50C-407E-A947-70E740481C1C}">
-                    <a14:useLocalDpi xmlns:a14="http://schemas.microsoft.com/office/drawing/2010/main" val="0"/>
-                  </a:ext>
-                </a:extLst>
-              </a:blip>
-              <a:srcRect l="202" t="66169" r="95880" b="30398"/>
-              <a:stretch/>
-            </p:blipFill>
-            <p:spPr>
-              <a:xfrm>
-                <a:off x="1484189" y="6243860"/>
-                <a:ext cx="286604" cy="313899"/>
-              </a:xfrm>
-              <a:prstGeom prst="rect">
-                <a:avLst/>
-              </a:prstGeom>
-            </p:spPr>
-          </p:pic>
-        </p:grpSp>
-        <p:grpSp>
-          <p:nvGrpSpPr>
-            <p:cNvPr id="22" name="Group 21">
-              <a:extLst>
-                <a:ext uri="{FF2B5EF4-FFF2-40B4-BE49-F238E27FC236}">
-                  <a16:creationId xmlns:a16="http://schemas.microsoft.com/office/drawing/2014/main" id="{8F7C0243-E285-A685-7C58-E5F5EE0730C8}"/>
-                </a:ext>
-              </a:extLst>
-            </p:cNvPr>
-            <p:cNvGrpSpPr/>
-            <p:nvPr/>
-          </p:nvGrpSpPr>
-          <p:grpSpPr>
-            <a:xfrm>
-              <a:off x="5380630" y="6849970"/>
-              <a:ext cx="928048" cy="928049"/>
-              <a:chOff x="5704766" y="7144610"/>
-              <a:chExt cx="928048" cy="928049"/>
-            </a:xfrm>
-          </p:grpSpPr>
-          <p:pic>
-            <p:nvPicPr>
-              <p:cNvPr id="11" name="Picture 10">
-                <a:extLst>
-                  <a:ext uri="{FF2B5EF4-FFF2-40B4-BE49-F238E27FC236}">
-                    <a16:creationId xmlns:a16="http://schemas.microsoft.com/office/drawing/2014/main" id="{794DB604-9080-5C49-F6A5-F3E01AB08222}"/>
-                  </a:ext>
-                </a:extLst>
-              </p:cNvPr>
-              <p:cNvPicPr>
-                <a:picLocks noChangeAspect="1"/>
-              </p:cNvPicPr>
-              <p:nvPr/>
-            </p:nvPicPr>
-            <p:blipFill rotWithShape="1">
-              <a:blip r:embed="rId5">
-                <a:extLst>
-                  <a:ext uri="{28A0092B-C50C-407E-A947-70E740481C1C}">
-                    <a14:useLocalDpi xmlns:a14="http://schemas.microsoft.com/office/drawing/2010/main" val="0"/>
-                  </a:ext>
-                </a:extLst>
-              </a:blip>
-              <a:srcRect l="85868" t="17239" r="1446" b="72612"/>
-              <a:stretch/>
-            </p:blipFill>
-            <p:spPr>
-              <a:xfrm>
-                <a:off x="5704766" y="7144610"/>
-                <a:ext cx="928048" cy="928049"/>
-              </a:xfrm>
-              <a:prstGeom prst="rect">
-                <a:avLst/>
-              </a:prstGeom>
-            </p:spPr>
-          </p:pic>
-          <p:grpSp>
-            <p:nvGrpSpPr>
-              <p:cNvPr id="16" name="Group 15">
-                <a:extLst>
-                  <a:ext uri="{FF2B5EF4-FFF2-40B4-BE49-F238E27FC236}">
-                    <a16:creationId xmlns:a16="http://schemas.microsoft.com/office/drawing/2014/main" id="{D44E12C9-8843-AB18-C91E-118860B2F70B}"/>
+                    <a16:creationId xmlns:a16="http://schemas.microsoft.com/office/drawing/2014/main" id="{F193727C-DB73-FF9C-2637-46A29CA688CD}"/>
                   </a:ext>
                 </a:extLst>
               </p:cNvPr>
@@ -3221,10 +3025,171 @@
             </p:nvGrpSpPr>
             <p:grpSpPr>
               <a:xfrm>
-                <a:off x="5767631" y="7522274"/>
-                <a:ext cx="279400" cy="172720"/>
-                <a:chOff x="5565066" y="7560738"/>
-                <a:chExt cx="279400" cy="172720"/>
+                <a:off x="228590" y="156939"/>
+                <a:ext cx="7315215" cy="9758122"/>
+                <a:chOff x="228590" y="156939"/>
+                <a:chExt cx="7315215" cy="9758122"/>
+              </a:xfrm>
+            </p:grpSpPr>
+            <p:pic>
+              <p:nvPicPr>
+                <p:cNvPr id="4" name="Picture 3">
+                  <a:extLst>
+                    <a:ext uri="{FF2B5EF4-FFF2-40B4-BE49-F238E27FC236}">
+                      <a16:creationId xmlns:a16="http://schemas.microsoft.com/office/drawing/2014/main" id="{198B65F4-FBF1-2FDC-0252-B5DFBF237235}"/>
+                    </a:ext>
+                  </a:extLst>
+                </p:cNvPr>
+                <p:cNvPicPr>
+                  <a:picLocks noChangeAspect="1"/>
+                </p:cNvPicPr>
+                <p:nvPr/>
+              </p:nvPicPr>
+              <p:blipFill>
+                <a:blip r:embed="rId2">
+                  <a:extLst>
+                    <a:ext uri="{28A0092B-C50C-407E-A947-70E740481C1C}">
+                      <a14:useLocalDpi xmlns:a14="http://schemas.microsoft.com/office/drawing/2010/main" val="0"/>
+                    </a:ext>
+                  </a:extLst>
+                </a:blip>
+                <a:srcRect/>
+                <a:stretch/>
+              </p:blipFill>
+              <p:spPr>
+                <a:xfrm>
+                  <a:off x="228590" y="156939"/>
+                  <a:ext cx="7315215" cy="9144019"/>
+                </a:xfrm>
+                <a:prstGeom prst="rect">
+                  <a:avLst/>
+                </a:prstGeom>
+              </p:spPr>
+            </p:pic>
+            <p:pic>
+              <p:nvPicPr>
+                <p:cNvPr id="8" name="Picture 7">
+                  <a:extLst>
+                    <a:ext uri="{FF2B5EF4-FFF2-40B4-BE49-F238E27FC236}">
+                      <a16:creationId xmlns:a16="http://schemas.microsoft.com/office/drawing/2014/main" id="{FCEC59F1-49DF-38F7-E0F7-904E02203C6F}"/>
+                    </a:ext>
+                  </a:extLst>
+                </p:cNvPr>
+                <p:cNvPicPr>
+                  <a:picLocks noChangeAspect="1"/>
+                </p:cNvPicPr>
+                <p:nvPr/>
+              </p:nvPicPr>
+              <p:blipFill rotWithShape="1">
+                <a:blip r:embed="rId3">
+                  <a:extLst>
+                    <a:ext uri="{28A0092B-C50C-407E-A947-70E740481C1C}">
+                      <a14:useLocalDpi xmlns:a14="http://schemas.microsoft.com/office/drawing/2010/main" val="0"/>
+                    </a:ext>
+                  </a:extLst>
+                </a:blip>
+                <a:srcRect l="4493" t="71841"/>
+                <a:stretch/>
+              </p:blipFill>
+              <p:spPr>
+                <a:xfrm>
+                  <a:off x="228590" y="6243859"/>
+                  <a:ext cx="7315215" cy="3657601"/>
+                </a:xfrm>
+                <a:prstGeom prst="rect">
+                  <a:avLst/>
+                </a:prstGeom>
+              </p:spPr>
+            </p:pic>
+            <p:pic>
+              <p:nvPicPr>
+                <p:cNvPr id="6" name="Picture 5">
+                  <a:extLst>
+                    <a:ext uri="{FF2B5EF4-FFF2-40B4-BE49-F238E27FC236}">
+                      <a16:creationId xmlns:a16="http://schemas.microsoft.com/office/drawing/2014/main" id="{E49DFADC-943B-E6D5-5431-E451DB869A67}"/>
+                    </a:ext>
+                  </a:extLst>
+                </p:cNvPr>
+                <p:cNvPicPr>
+                  <a:picLocks noChangeAspect="1"/>
+                </p:cNvPicPr>
+                <p:nvPr/>
+              </p:nvPicPr>
+              <p:blipFill rotWithShape="1">
+                <a:blip r:embed="rId4">
+                  <a:extLst>
+                    <a:ext uri="{28A0092B-C50C-407E-A947-70E740481C1C}">
+                      <a14:useLocalDpi xmlns:a14="http://schemas.microsoft.com/office/drawing/2010/main" val="0"/>
+                    </a:ext>
+                  </a:extLst>
+                </a:blip>
+                <a:srcRect l="4012" t="11444" r="6587" b="9068"/>
+                <a:stretch/>
+              </p:blipFill>
+              <p:spPr>
+                <a:xfrm>
+                  <a:off x="1687526" y="6230257"/>
+                  <a:ext cx="4144314" cy="3684804"/>
+                </a:xfrm>
+                <a:prstGeom prst="rect">
+                  <a:avLst/>
+                </a:prstGeom>
+              </p:spPr>
+            </p:pic>
+            <p:pic>
+              <p:nvPicPr>
+                <p:cNvPr id="7" name="Picture 6">
+                  <a:extLst>
+                    <a:ext uri="{FF2B5EF4-FFF2-40B4-BE49-F238E27FC236}">
+                      <a16:creationId xmlns:a16="http://schemas.microsoft.com/office/drawing/2014/main" id="{BB7F229E-BEA3-4B11-9C6E-C6953DA65B3B}"/>
+                    </a:ext>
+                  </a:extLst>
+                </p:cNvPr>
+                <p:cNvPicPr>
+                  <a:picLocks noChangeAspect="1"/>
+                </p:cNvPicPr>
+                <p:nvPr/>
+              </p:nvPicPr>
+              <p:blipFill rotWithShape="1">
+                <a:blip r:embed="rId3">
+                  <a:extLst>
+                    <a:ext uri="{28A0092B-C50C-407E-A947-70E740481C1C}">
+                      <a14:useLocalDpi xmlns:a14="http://schemas.microsoft.com/office/drawing/2010/main" val="0"/>
+                    </a:ext>
+                  </a:extLst>
+                </a:blip>
+                <a:srcRect l="202" t="66169" r="95880" b="30398"/>
+                <a:stretch/>
+              </p:blipFill>
+              <p:spPr>
+                <a:xfrm>
+                  <a:off x="1484189" y="6243860"/>
+                  <a:ext cx="286604" cy="313899"/>
+                </a:xfrm>
+                <a:prstGeom prst="rect">
+                  <a:avLst/>
+                </a:prstGeom>
+              </p:spPr>
+            </p:pic>
+          </p:grpSp>
+          <p:grpSp>
+            <p:nvGrpSpPr>
+              <p:cNvPr id="22" name="Group 21">
+                <a:extLst>
+                  <a:ext uri="{FF2B5EF4-FFF2-40B4-BE49-F238E27FC236}">
+                    <a16:creationId xmlns:a16="http://schemas.microsoft.com/office/drawing/2014/main" id="{8F7C0243-E285-A685-7C58-E5F5EE0730C8}"/>
+                  </a:ext>
+                </a:extLst>
+              </p:cNvPr>
+              <p:cNvGrpSpPr/>
+              <p:nvPr/>
+            </p:nvGrpSpPr>
+            <p:grpSpPr>
+              <a:xfrm>
+                <a:off x="5436100" y="7227634"/>
+                <a:ext cx="286795" cy="399477"/>
+                <a:chOff x="5760236" y="7522274"/>
+                <a:chExt cx="286795" cy="399477"/>
               </a:xfrm>
             </p:grpSpPr>
             <p:sp>
@@ -3241,7 +3206,7 @@
               </p:nvSpPr>
               <p:spPr>
                 <a:xfrm>
-                  <a:off x="5565066" y="7560738"/>
+                  <a:off x="5767631" y="7522274"/>
                   <a:ext cx="279400" cy="172720"/>
                 </a:xfrm>
                 <a:prstGeom prst="rect">
@@ -3279,62 +3244,6 @@
                 </a:p>
               </p:txBody>
             </p:sp>
-            <p:pic>
-              <p:nvPicPr>
-                <p:cNvPr id="15" name="Picture 14">
-                  <a:extLst>
-                    <a:ext uri="{FF2B5EF4-FFF2-40B4-BE49-F238E27FC236}">
-                      <a16:creationId xmlns:a16="http://schemas.microsoft.com/office/drawing/2014/main" id="{0AD9AE43-B6FF-0C10-D6AA-8226651443D4}"/>
-                    </a:ext>
-                  </a:extLst>
-                </p:cNvPr>
-                <p:cNvPicPr>
-                  <a:picLocks noChangeAspect="1"/>
-                </p:cNvPicPr>
-                <p:nvPr/>
-              </p:nvPicPr>
-              <p:blipFill rotWithShape="1">
-                <a:blip r:embed="rId4">
-                  <a:extLst>
-                    <a:ext uri="{28A0092B-C50C-407E-A947-70E740481C1C}">
-                      <a14:useLocalDpi xmlns:a14="http://schemas.microsoft.com/office/drawing/2010/main" val="0"/>
-                    </a:ext>
-                  </a:extLst>
-                </a:blip>
-                <a:srcRect l="66513" t="75751" r="31711" b="22499"/>
-                <a:stretch/>
-              </p:blipFill>
-              <p:spPr>
-                <a:xfrm>
-                  <a:off x="5665396" y="7613442"/>
-                  <a:ext cx="81206" cy="80011"/>
-                </a:xfrm>
-                <a:prstGeom prst="rect">
-                  <a:avLst/>
-                </a:prstGeom>
-              </p:spPr>
-            </p:pic>
-          </p:grpSp>
-          <p:grpSp>
-            <p:nvGrpSpPr>
-              <p:cNvPr id="21" name="Group 20">
-                <a:extLst>
-                  <a:ext uri="{FF2B5EF4-FFF2-40B4-BE49-F238E27FC236}">
-                    <a16:creationId xmlns:a16="http://schemas.microsoft.com/office/drawing/2014/main" id="{3CEE1159-0C80-C520-81AF-B9F5190B6AA0}"/>
-                  </a:ext>
-                </a:extLst>
-              </p:cNvPr>
-              <p:cNvGrpSpPr/>
-              <p:nvPr/>
-            </p:nvGrpSpPr>
-            <p:grpSpPr>
-              <a:xfrm>
-                <a:off x="5760236" y="7749031"/>
-                <a:ext cx="279400" cy="172720"/>
-                <a:chOff x="5760236" y="7876916"/>
-                <a:chExt cx="279400" cy="172720"/>
-              </a:xfrm>
-            </p:grpSpPr>
             <p:sp>
               <p:nvSpPr>
                 <p:cNvPr id="18" name="Rectangle 17">
@@ -3349,7 +3258,7 @@
               </p:nvSpPr>
               <p:spPr>
                 <a:xfrm>
-                  <a:off x="5760236" y="7876916"/>
+                  <a:off x="5760236" y="7749031"/>
                   <a:ext cx="279400" cy="172720"/>
                 </a:xfrm>
                 <a:prstGeom prst="rect">
@@ -3387,58 +3296,43 @@
                 </a:p>
               </p:txBody>
             </p:sp>
-            <p:pic>
-              <p:nvPicPr>
-                <p:cNvPr id="20" name="Picture 19">
-                  <a:extLst>
-                    <a:ext uri="{FF2B5EF4-FFF2-40B4-BE49-F238E27FC236}">
-                      <a16:creationId xmlns:a16="http://schemas.microsoft.com/office/drawing/2014/main" id="{3FE7510C-A79D-2FE5-1A38-43969FBED400}"/>
-                    </a:ext>
-                  </a:extLst>
-                </p:cNvPr>
-                <p:cNvPicPr>
-                  <a:picLocks noChangeAspect="1"/>
-                </p:cNvPicPr>
-                <p:nvPr/>
-              </p:nvPicPr>
-              <p:blipFill rotWithShape="1">
-                <a:blip r:embed="rId6">
-                  <a:extLst>
-                    <a:ext uri="{BEBA8EAE-BF5A-486C-A8C5-ECC9F3942E4B}">
-                      <a14:imgProps xmlns:a14="http://schemas.microsoft.com/office/drawing/2010/main">
-                        <a14:imgLayer r:embed="rId7">
-                          <a14:imgEffect>
-                            <a14:backgroundRemoval t="73800" b="75333" l="35933" r="37667">
-                              <a14:foregroundMark x1="37000" y1="75067" x2="37000" y2="75067"/>
-                              <a14:foregroundMark x1="37000" y1="74067" x2="37000" y2="74067"/>
-                              <a14:foregroundMark x1="37000" y1="74000" x2="37000" y2="73800"/>
-                              <a14:backgroundMark x1="36767" y1="73067" x2="37067" y2="72733"/>
-                              <a14:backgroundMark x1="35867" y1="74067" x2="36720" y2="73119"/>
-                            </a14:backgroundRemoval>
-                          </a14:imgEffect>
-                        </a14:imgLayer>
-                      </a14:imgProps>
-                    </a:ext>
-                    <a:ext uri="{28A0092B-C50C-407E-A947-70E740481C1C}">
-                      <a14:useLocalDpi xmlns:a14="http://schemas.microsoft.com/office/drawing/2010/main" val="0"/>
-                    </a:ext>
-                  </a:extLst>
-                </a:blip>
-                <a:srcRect l="35743" t="73765" r="62103" b="24472"/>
-                <a:stretch/>
-              </p:blipFill>
-              <p:spPr>
-                <a:xfrm>
-                  <a:off x="5850705" y="7922954"/>
-                  <a:ext cx="98462" cy="80644"/>
-                </a:xfrm>
-                <a:prstGeom prst="rect">
-                  <a:avLst/>
-                </a:prstGeom>
-              </p:spPr>
-            </p:pic>
           </p:grpSp>
         </p:grpSp>
+        <p:pic>
+          <p:nvPicPr>
+            <p:cNvPr id="3" name="Picture 2">
+              <a:extLst>
+                <a:ext uri="{FF2B5EF4-FFF2-40B4-BE49-F238E27FC236}">
+                  <a16:creationId xmlns:a16="http://schemas.microsoft.com/office/drawing/2014/main" id="{1A4BDA15-BD61-B80A-7EC4-8B2C537BB59F}"/>
+                </a:ext>
+              </a:extLst>
+            </p:cNvPr>
+            <p:cNvPicPr>
+              <a:picLocks noChangeAspect="1"/>
+            </p:cNvPicPr>
+            <p:nvPr/>
+          </p:nvPicPr>
+          <p:blipFill rotWithShape="1">
+            <a:blip r:embed="rId5">
+              <a:extLst>
+                <a:ext uri="{28A0092B-C50C-407E-A947-70E740481C1C}">
+                  <a14:useLocalDpi xmlns:a14="http://schemas.microsoft.com/office/drawing/2010/main" val="0"/>
+                </a:ext>
+              </a:extLst>
+            </a:blip>
+            <a:srcRect l="55817" t="65628" r="36340" b="18797"/>
+            <a:stretch/>
+          </p:blipFill>
+          <p:spPr>
+            <a:xfrm>
+              <a:off x="5443495" y="6557759"/>
+              <a:ext cx="860167" cy="1708103"/>
+            </a:xfrm>
+            <a:prstGeom prst="rect">
+              <a:avLst/>
+            </a:prstGeom>
+          </p:spPr>
+        </p:pic>
       </p:grpSp>
     </p:spTree>
     <p:extLst>
